--- a/pipelineProject.pptx
+++ b/pipelineProject.pptx
@@ -109,6 +109,11 @@
       </a:defRPr>
     </a:lvl9pPr>
   </p:defaultTextStyle>
+  <p:extLst>
+    <p:ext uri="{EFAFB233-063F-42B5-8137-9DF3F51BA10A}">
+      <p15:sldGuideLst xmlns:p15="http://schemas.microsoft.com/office/powerpoint/2012/main"/>
+    </p:ext>
+  </p:extLst>
 </p:presentation>
 </file>
 
@@ -3839,15 +3844,24 @@
         </p:nvSpPr>
         <p:spPr>
           <a:xfrm>
-            <a:off x="838200" y="3339421"/>
-            <a:ext cx="10515600" cy="2837542"/>
+            <a:off x="838200" y="3904343"/>
+            <a:ext cx="10515600" cy="2272619"/>
           </a:xfrm>
         </p:spPr>
         <p:txBody>
           <a:bodyPr/>
           <a:lstStyle/>
           <a:p>
-            <a:endParaRPr lang="en-BE" dirty="0"/>
+            <a:r>
+              <a:rPr lang="en-BE" dirty="0"/>
+              <a:t>What is already present in the framework? </a:t>
+            </a:r>
+          </a:p>
+          <a:p>
+            <a:r>
+              <a:rPr lang="en-BE" dirty="0"/>
+              <a:t>How many data will be necessary to make a correct decision (while minimalizing the decision window)?</a:t>
+            </a:r>
           </a:p>
         </p:txBody>
       </p:sp>
@@ -3928,13 +3942,19 @@
         </p:nvSpPr>
         <p:spPr>
           <a:xfrm>
-            <a:off x="838200" y="3528798"/>
-            <a:ext cx="10515600" cy="2648166"/>
+            <a:off x="838200" y="3934692"/>
+            <a:ext cx="10515600" cy="2242272"/>
           </a:xfrm>
         </p:spPr>
         <p:txBody>
           <a:bodyPr/>
           <a:lstStyle/>
+          <a:p>
+            <a:r>
+              <a:rPr lang="en-BE" dirty="0"/>
+              <a:t>What is already present in the framework?</a:t>
+            </a:r>
+          </a:p>
           <a:p>
             <a:endParaRPr lang="en-BE" dirty="0"/>
           </a:p>
